--- a/n8n slides material de apoyo.pptx
+++ b/n8n slides material de apoyo.pptx
@@ -5,7 +5,7 @@
     <p:sldMasterId id="2147483659" r:id="rId1"/>
   </p:sldMasterIdLst>
   <p:notesMasterIdLst>
-    <p:notesMasterId r:id="rId96"/>
+    <p:notesMasterId r:id="rId97"/>
   </p:notesMasterIdLst>
   <p:sldIdLst>
     <p:sldId id="308" r:id="rId2"/>
@@ -102,21 +102,22 @@
     <p:sldId id="359" r:id="rId93"/>
     <p:sldId id="362" r:id="rId94"/>
     <p:sldId id="301" r:id="rId95"/>
+    <p:sldId id="364" r:id="rId96"/>
   </p:sldIdLst>
   <p:sldSz cx="9144000" cy="5143500" type="screen16x9"/>
   <p:notesSz cx="6858000" cy="9144000"/>
   <p:embeddedFontLst>
     <p:embeddedFont>
       <p:font typeface="Cascadia Mono" panose="020B0609020000020004" pitchFamily="49" charset="0"/>
-      <p:regular r:id="rId97"/>
-      <p:bold r:id="rId98"/>
+      <p:regular r:id="rId98"/>
+      <p:bold r:id="rId99"/>
     </p:embeddedFont>
     <p:embeddedFont>
       <p:font typeface="Roboto Mono" panose="00000009000000000000" pitchFamily="49" charset="0"/>
-      <p:regular r:id="rId99"/>
-      <p:bold r:id="rId100"/>
-      <p:italic r:id="rId101"/>
-      <p:boldItalic r:id="rId102"/>
+      <p:regular r:id="rId100"/>
+      <p:bold r:id="rId101"/>
+      <p:italic r:id="rId102"/>
+      <p:boldItalic r:id="rId103"/>
     </p:embeddedFont>
   </p:embeddedFontLst>
   <p:defaultTextStyle>
@@ -39389,7 +39390,7 @@
             </a:pPr>
             <a:r>
               <a:rPr lang="es" b="1" dirty="0"/>
-              <a:t>Recursos y Fuentes</a:t>
+              <a:t>Recursos y Fuentes consultadas</a:t>
             </a:r>
             <a:endParaRPr b="1" dirty="0"/>
           </a:p>
@@ -39687,6 +39688,832 @@
         </p:txBody>
       </p:sp>
     </p:spTree>
+  </p:cSld>
+  <p:clrMapOvr>
+    <a:masterClrMapping/>
+  </p:clrMapOvr>
+</p:sld>
+</file>
+
+<file path=ppt/slides/slide95.xml><?xml version="1.0" encoding="utf-8"?>
+<p:sld xmlns:a="http://schemas.openxmlformats.org/drawingml/2006/main" xmlns:r="http://schemas.openxmlformats.org/officeDocument/2006/relationships" xmlns:p="http://schemas.openxmlformats.org/presentationml/2006/main">
+  <p:cSld>
+    <p:spTree>
+      <p:nvGrpSpPr>
+        <p:cNvPr id="1" name=""/>
+        <p:cNvGrpSpPr/>
+        <p:nvPr/>
+      </p:nvGrpSpPr>
+      <p:grpSpPr>
+        <a:xfrm>
+          <a:off x="0" y="0"/>
+          <a:ext cx="0" cy="0"/>
+          <a:chOff x="0" y="0"/>
+          <a:chExt cx="0" cy="0"/>
+        </a:xfrm>
+      </p:grpSpPr>
+      <p:sp>
+        <p:nvSpPr>
+          <p:cNvPr id="5" name="Marcador de número de diapositiva 4">
+            <a:extLst>
+              <a:ext uri="{FF2B5EF4-FFF2-40B4-BE49-F238E27FC236}">
+                <a16:creationId xmlns:a16="http://schemas.microsoft.com/office/drawing/2014/main" id="{079A2268-8DCD-BB6B-D99D-FECA17588995}"/>
+              </a:ext>
+            </a:extLst>
+          </p:cNvPr>
+          <p:cNvSpPr>
+            <a:spLocks noGrp="1"/>
+          </p:cNvSpPr>
+          <p:nvPr>
+            <p:ph type="sldNum" idx="12"/>
+          </p:nvPr>
+        </p:nvSpPr>
+        <p:spPr/>
+        <p:txBody>
+          <a:bodyPr/>
+          <a:lstStyle/>
+          <a:p>
+            <a:pPr marL="0" lvl="0" indent="0" algn="r" rtl="0">
+              <a:spcBef>
+                <a:spcPts val="0"/>
+              </a:spcBef>
+              <a:spcAft>
+                <a:spcPts val="0"/>
+              </a:spcAft>
+              <a:buNone/>
+            </a:pPr>
+            <a:fld id="{00000000-1234-1234-1234-123412341234}" type="slidenum">
+              <a:rPr lang="es-AR" smtClean="0"/>
+              <a:t>95</a:t>
+            </a:fld>
+            <a:endParaRPr lang="es-AR"/>
+          </a:p>
+        </p:txBody>
+      </p:sp>
+      <p:sp>
+        <p:nvSpPr>
+          <p:cNvPr id="7" name="Rectangle 2">
+            <a:extLst>
+              <a:ext uri="{FF2B5EF4-FFF2-40B4-BE49-F238E27FC236}">
+                <a16:creationId xmlns:a16="http://schemas.microsoft.com/office/drawing/2014/main" id="{F26F273E-1F1C-6752-E58C-0C2391FB284B}"/>
+              </a:ext>
+            </a:extLst>
+          </p:cNvPr>
+          <p:cNvSpPr>
+            <a:spLocks noGrp="1" noChangeArrowheads="1"/>
+          </p:cNvSpPr>
+          <p:nvPr>
+            <p:ph type="body" idx="1"/>
+          </p:nvPr>
+        </p:nvSpPr>
+        <p:spPr bwMode="auto">
+          <a:xfrm>
+            <a:off x="311700" y="798576"/>
+            <a:ext cx="8420820" cy="4124206"/>
+          </a:xfrm>
+          <a:prstGeom prst="rect">
+            <a:avLst/>
+          </a:prstGeom>
+          <a:noFill/>
+          <a:ln>
+            <a:noFill/>
+          </a:ln>
+          <a:effectLst/>
+        </p:spPr>
+        <p:txBody>
+          <a:bodyPr vert="horz" wrap="square" lIns="91440" tIns="0" rIns="91440" bIns="0" numCol="1" anchor="ctr" anchorCtr="0" compatLnSpc="1">
+            <a:prstTxWarp prst="textNoShape">
+              <a:avLst/>
+            </a:prstTxWarp>
+            <a:spAutoFit/>
+          </a:bodyPr>
+          <a:lstStyle/>
+          <a:p>
+            <a:pPr marL="0" marR="0" lvl="0" indent="0" algn="l" defTabSz="914400" rtl="0" eaLnBrk="0" fontAlgn="base" latinLnBrk="0" hangingPunct="0">
+              <a:lnSpc>
+                <a:spcPct val="100000"/>
+              </a:lnSpc>
+              <a:spcBef>
+                <a:spcPct val="0"/>
+              </a:spcBef>
+              <a:spcAft>
+                <a:spcPct val="0"/>
+              </a:spcAft>
+              <a:buClrTx/>
+              <a:buSzTx/>
+              <a:buFontTx/>
+              <a:buNone/>
+              <a:tabLst/>
+            </a:pPr>
+            <a:r>
+              <a:rPr kumimoji="0" lang="es-AR" altLang="es-AR" sz="1600" b="0" i="0" u="none" strike="noStrike" cap="none" normalizeH="0" baseline="0" dirty="0">
+                <a:ln>
+                  <a:noFill/>
+                </a:ln>
+                <a:solidFill>
+                  <a:schemeClr val="tx1"/>
+                </a:solidFill>
+                <a:effectLst/>
+                <a:latin typeface="ui-monospace"/>
+              </a:rPr>
+              <a:t>Licencia Creative </a:t>
+            </a:r>
+            <a:r>
+              <a:rPr kumimoji="0" lang="es-AR" altLang="es-AR" sz="1600" b="0" i="0" u="none" strike="noStrike" cap="none" normalizeH="0" baseline="0" dirty="0" err="1">
+                <a:ln>
+                  <a:noFill/>
+                </a:ln>
+                <a:solidFill>
+                  <a:schemeClr val="tx1"/>
+                </a:solidFill>
+                <a:effectLst/>
+                <a:latin typeface="ui-monospace"/>
+              </a:rPr>
+              <a:t>Commons</a:t>
+            </a:r>
+            <a:r>
+              <a:rPr kumimoji="0" lang="es-AR" altLang="es-AR" sz="1600" b="0" i="0" u="none" strike="noStrike" cap="none" normalizeH="0" baseline="0" dirty="0">
+                <a:ln>
+                  <a:noFill/>
+                </a:ln>
+                <a:solidFill>
+                  <a:schemeClr val="tx1"/>
+                </a:solidFill>
+                <a:effectLst/>
+                <a:latin typeface="ui-monospace"/>
+              </a:rPr>
+              <a:t> Atribución-</a:t>
+            </a:r>
+            <a:r>
+              <a:rPr kumimoji="0" lang="es-AR" altLang="es-AR" sz="1600" b="0" i="0" u="none" strike="noStrike" cap="none" normalizeH="0" baseline="0" dirty="0" err="1">
+                <a:ln>
+                  <a:noFill/>
+                </a:ln>
+                <a:solidFill>
+                  <a:schemeClr val="tx1"/>
+                </a:solidFill>
+                <a:effectLst/>
+                <a:latin typeface="ui-monospace"/>
+              </a:rPr>
+              <a:t>NoComercial</a:t>
+            </a:r>
+            <a:r>
+              <a:rPr kumimoji="0" lang="es-AR" altLang="es-AR" sz="1600" b="0" i="0" u="none" strike="noStrike" cap="none" normalizeH="0" baseline="0" dirty="0">
+                <a:ln>
+                  <a:noFill/>
+                </a:ln>
+                <a:solidFill>
+                  <a:schemeClr val="tx1"/>
+                </a:solidFill>
+                <a:effectLst/>
+                <a:latin typeface="ui-monospace"/>
+              </a:rPr>
+              <a:t>-</a:t>
+            </a:r>
+            <a:r>
+              <a:rPr kumimoji="0" lang="es-AR" altLang="es-AR" sz="1600" b="0" i="0" u="none" strike="noStrike" cap="none" normalizeH="0" baseline="0" dirty="0" err="1">
+                <a:ln>
+                  <a:noFill/>
+                </a:ln>
+                <a:solidFill>
+                  <a:schemeClr val="tx1"/>
+                </a:solidFill>
+                <a:effectLst/>
+                <a:latin typeface="ui-monospace"/>
+              </a:rPr>
+              <a:t>SinDerivadas</a:t>
+            </a:r>
+            <a:r>
+              <a:rPr kumimoji="0" lang="es-AR" altLang="es-AR" sz="1600" b="0" i="0" u="none" strike="noStrike" cap="none" normalizeH="0" baseline="0" dirty="0">
+                <a:ln>
+                  <a:noFill/>
+                </a:ln>
+                <a:solidFill>
+                  <a:schemeClr val="tx1"/>
+                </a:solidFill>
+                <a:effectLst/>
+                <a:latin typeface="ui-monospace"/>
+              </a:rPr>
+              <a:t> 4.0 Internacional (CC BY-NC-ND 4.0) </a:t>
+            </a:r>
+            <a:r>
+              <a:rPr kumimoji="0" lang="es-AR" altLang="es-AR" sz="1600" b="1" i="0" u="none" strike="noStrike" cap="none" normalizeH="0" baseline="0" dirty="0">
+                <a:ln>
+                  <a:noFill/>
+                </a:ln>
+                <a:solidFill>
+                  <a:schemeClr val="tx1"/>
+                </a:solidFill>
+                <a:effectLst/>
+                <a:latin typeface="ui-monospace"/>
+              </a:rPr>
+              <a:t>Este trabajo está protegido por derechos de autor. </a:t>
+            </a:r>
+          </a:p>
+          <a:p>
+            <a:pPr marL="0" marR="0" lvl="0" indent="0" algn="l" defTabSz="914400" rtl="0" eaLnBrk="0" fontAlgn="base" latinLnBrk="0" hangingPunct="0">
+              <a:lnSpc>
+                <a:spcPct val="100000"/>
+              </a:lnSpc>
+              <a:spcBef>
+                <a:spcPct val="0"/>
+              </a:spcBef>
+              <a:spcAft>
+                <a:spcPct val="0"/>
+              </a:spcAft>
+              <a:buClrTx/>
+              <a:buSzTx/>
+              <a:buFontTx/>
+              <a:buNone/>
+              <a:tabLst/>
+            </a:pPr>
+            <a:endParaRPr kumimoji="0" lang="es-AR" altLang="es-AR" sz="1600" b="0" i="0" u="none" strike="noStrike" cap="none" normalizeH="0" baseline="0" dirty="0">
+              <a:ln>
+                <a:noFill/>
+              </a:ln>
+              <a:solidFill>
+                <a:schemeClr val="tx1"/>
+              </a:solidFill>
+              <a:effectLst/>
+              <a:latin typeface="ui-monospace"/>
+            </a:endParaRPr>
+          </a:p>
+          <a:p>
+            <a:pPr marL="0" marR="0" lvl="0" indent="0" algn="l" defTabSz="914400" rtl="0" eaLnBrk="0" fontAlgn="base" latinLnBrk="0" hangingPunct="0">
+              <a:lnSpc>
+                <a:spcPct val="100000"/>
+              </a:lnSpc>
+              <a:spcBef>
+                <a:spcPct val="0"/>
+              </a:spcBef>
+              <a:spcAft>
+                <a:spcPct val="0"/>
+              </a:spcAft>
+              <a:buClrTx/>
+              <a:buSzTx/>
+              <a:buFontTx/>
+              <a:buNone/>
+              <a:tabLst/>
+            </a:pPr>
+            <a:r>
+              <a:rPr kumimoji="0" lang="es-AR" altLang="es-AR" sz="2800" b="1" i="0" u="none" strike="noStrike" cap="none" normalizeH="0" baseline="0" dirty="0">
+                <a:ln>
+                  <a:noFill/>
+                </a:ln>
+                <a:solidFill>
+                  <a:schemeClr val="tx1"/>
+                </a:solidFill>
+                <a:effectLst/>
+                <a:latin typeface="ui-monospace"/>
+              </a:rPr>
+              <a:t>Autora: Cynthia Villagra </a:t>
+            </a:r>
+          </a:p>
+          <a:p>
+            <a:pPr marL="0" marR="0" lvl="0" indent="0" algn="l" defTabSz="914400" rtl="0" eaLnBrk="0" fontAlgn="base" latinLnBrk="0" hangingPunct="0">
+              <a:lnSpc>
+                <a:spcPct val="100000"/>
+              </a:lnSpc>
+              <a:spcBef>
+                <a:spcPct val="0"/>
+              </a:spcBef>
+              <a:spcAft>
+                <a:spcPct val="0"/>
+              </a:spcAft>
+              <a:buClrTx/>
+              <a:buSzTx/>
+              <a:buFontTx/>
+              <a:buNone/>
+              <a:tabLst/>
+            </a:pPr>
+            <a:endParaRPr lang="es-AR" altLang="es-AR" sz="1600" dirty="0">
+              <a:solidFill>
+                <a:schemeClr val="tx1"/>
+              </a:solidFill>
+              <a:latin typeface="ui-monospace"/>
+            </a:endParaRPr>
+          </a:p>
+          <a:p>
+            <a:pPr marL="0" marR="0" lvl="0" indent="0" algn="l" defTabSz="914400" rtl="0" eaLnBrk="0" fontAlgn="base" latinLnBrk="0" hangingPunct="0">
+              <a:lnSpc>
+                <a:spcPct val="100000"/>
+              </a:lnSpc>
+              <a:spcBef>
+                <a:spcPct val="0"/>
+              </a:spcBef>
+              <a:spcAft>
+                <a:spcPct val="0"/>
+              </a:spcAft>
+              <a:buClrTx/>
+              <a:buSzTx/>
+              <a:buFontTx/>
+              <a:buNone/>
+              <a:tabLst/>
+            </a:pPr>
+            <a:r>
+              <a:rPr kumimoji="0" lang="es-AR" altLang="es-AR" sz="1600" b="0" i="0" u="none" strike="noStrike" cap="none" normalizeH="0" baseline="0" dirty="0" err="1">
+                <a:ln>
+                  <a:noFill/>
+                </a:ln>
+                <a:solidFill>
+                  <a:schemeClr val="tx1"/>
+                </a:solidFill>
+                <a:effectLst/>
+                <a:latin typeface="ui-monospace"/>
+              </a:rPr>
+              <a:t>Podés</a:t>
+            </a:r>
+            <a:r>
+              <a:rPr kumimoji="0" lang="es-AR" altLang="es-AR" sz="1600" b="0" i="0" u="none" strike="noStrike" cap="none" normalizeH="0" baseline="0" dirty="0">
+                <a:ln>
+                  <a:noFill/>
+                </a:ln>
+                <a:solidFill>
+                  <a:schemeClr val="tx1"/>
+                </a:solidFill>
+                <a:effectLst/>
+                <a:latin typeface="ui-monospace"/>
+              </a:rPr>
+              <a:t> compartir — copiar y redistribuir el material en cualquier medio o formato — siempre que cumplas con los siguientes términos: </a:t>
+            </a:r>
+          </a:p>
+          <a:p>
+            <a:pPr marL="285750" marR="0" lvl="0" indent="-285750" algn="l" defTabSz="914400" rtl="0" eaLnBrk="0" fontAlgn="base" latinLnBrk="0" hangingPunct="0">
+              <a:lnSpc>
+                <a:spcPct val="100000"/>
+              </a:lnSpc>
+              <a:spcBef>
+                <a:spcPct val="0"/>
+              </a:spcBef>
+              <a:spcAft>
+                <a:spcPct val="0"/>
+              </a:spcAft>
+              <a:buClrTx/>
+              <a:buSzTx/>
+              <a:buFontTx/>
+              <a:buChar char="-"/>
+              <a:tabLst/>
+            </a:pPr>
+            <a:r>
+              <a:rPr kumimoji="0" lang="es-AR" altLang="es-AR" sz="1600" b="1" i="0" u="none" strike="noStrike" cap="none" normalizeH="0" baseline="0" dirty="0">
+                <a:ln>
+                  <a:noFill/>
+                </a:ln>
+                <a:solidFill>
+                  <a:schemeClr val="tx1"/>
+                </a:solidFill>
+                <a:effectLst/>
+                <a:highlight>
+                  <a:srgbClr val="FFFF00"/>
+                </a:highlight>
+                <a:latin typeface="ui-monospace"/>
+              </a:rPr>
+              <a:t>Atribución</a:t>
+            </a:r>
+            <a:r>
+              <a:rPr kumimoji="0" lang="es-AR" altLang="es-AR" sz="1600" b="0" i="0" u="none" strike="noStrike" cap="none" normalizeH="0" baseline="0" dirty="0">
+                <a:ln>
+                  <a:noFill/>
+                </a:ln>
+                <a:solidFill>
+                  <a:schemeClr val="tx1"/>
+                </a:solidFill>
+                <a:effectLst/>
+                <a:highlight>
+                  <a:srgbClr val="FFFF00"/>
+                </a:highlight>
+                <a:latin typeface="ui-monospace"/>
+              </a:rPr>
+              <a:t>: </a:t>
+            </a:r>
+            <a:r>
+              <a:rPr kumimoji="0" lang="es-AR" altLang="es-AR" sz="1600" b="0" i="0" u="none" strike="noStrike" cap="none" normalizeH="0" baseline="0" dirty="0" err="1">
+                <a:ln>
+                  <a:noFill/>
+                </a:ln>
+                <a:solidFill>
+                  <a:schemeClr val="tx1"/>
+                </a:solidFill>
+                <a:effectLst/>
+                <a:highlight>
+                  <a:srgbClr val="FFFF00"/>
+                </a:highlight>
+                <a:latin typeface="ui-monospace"/>
+              </a:rPr>
+              <a:t>Debés</a:t>
+            </a:r>
+            <a:r>
+              <a:rPr kumimoji="0" lang="es-AR" altLang="es-AR" sz="1600" b="0" i="0" u="none" strike="noStrike" cap="none" normalizeH="0" baseline="0" dirty="0">
+                <a:ln>
+                  <a:noFill/>
+                </a:ln>
+                <a:solidFill>
+                  <a:schemeClr val="tx1"/>
+                </a:solidFill>
+                <a:effectLst/>
+                <a:highlight>
+                  <a:srgbClr val="FFFF00"/>
+                </a:highlight>
+                <a:latin typeface="ui-monospace"/>
+              </a:rPr>
+              <a:t> dar crédito adecuado, proporcionar un enlace a la licencia e indicar si se realizaron cambios. </a:t>
+            </a:r>
+            <a:r>
+              <a:rPr kumimoji="0" lang="es-AR" altLang="es-AR" sz="1600" b="0" i="0" u="none" strike="noStrike" cap="none" normalizeH="0" baseline="0" dirty="0" err="1">
+                <a:ln>
+                  <a:noFill/>
+                </a:ln>
+                <a:solidFill>
+                  <a:schemeClr val="tx1"/>
+                </a:solidFill>
+                <a:effectLst/>
+                <a:highlight>
+                  <a:srgbClr val="FFFF00"/>
+                </a:highlight>
+                <a:latin typeface="ui-monospace"/>
+              </a:rPr>
+              <a:t>Podés</a:t>
+            </a:r>
+            <a:r>
+              <a:rPr kumimoji="0" lang="es-AR" altLang="es-AR" sz="1600" b="0" i="0" u="none" strike="noStrike" cap="none" normalizeH="0" baseline="0" dirty="0">
+                <a:ln>
+                  <a:noFill/>
+                </a:ln>
+                <a:solidFill>
+                  <a:schemeClr val="tx1"/>
+                </a:solidFill>
+                <a:effectLst/>
+                <a:highlight>
+                  <a:srgbClr val="FFFF00"/>
+                </a:highlight>
+                <a:latin typeface="ui-monospace"/>
+              </a:rPr>
+              <a:t> hacerlo de cualquier forma razonable, pero no de manera que sugiera que </a:t>
+            </a:r>
+            <a:r>
+              <a:rPr kumimoji="0" lang="es-AR" altLang="es-AR" sz="1600" b="0" i="0" u="none" strike="noStrike" cap="none" normalizeH="0" baseline="0" dirty="0" err="1">
+                <a:ln>
+                  <a:noFill/>
+                </a:ln>
+                <a:solidFill>
+                  <a:schemeClr val="tx1"/>
+                </a:solidFill>
+                <a:effectLst/>
+                <a:highlight>
+                  <a:srgbClr val="FFFF00"/>
+                </a:highlight>
+                <a:latin typeface="ui-monospace"/>
+              </a:rPr>
+              <a:t>tenés</a:t>
+            </a:r>
+            <a:r>
+              <a:rPr kumimoji="0" lang="es-AR" altLang="es-AR" sz="1600" b="0" i="0" u="none" strike="noStrike" cap="none" normalizeH="0" baseline="0" dirty="0">
+                <a:ln>
+                  <a:noFill/>
+                </a:ln>
+                <a:solidFill>
+                  <a:schemeClr val="tx1"/>
+                </a:solidFill>
+                <a:effectLst/>
+                <a:highlight>
+                  <a:srgbClr val="FFFF00"/>
+                </a:highlight>
+                <a:latin typeface="ui-monospace"/>
+              </a:rPr>
+              <a:t> el apoyo de la autora o que </a:t>
+            </a:r>
+            <a:r>
+              <a:rPr kumimoji="0" lang="es-AR" altLang="es-AR" sz="1600" b="0" i="0" u="none" strike="noStrike" cap="none" normalizeH="0" baseline="0" dirty="0" err="1">
+                <a:ln>
+                  <a:noFill/>
+                </a:ln>
+                <a:solidFill>
+                  <a:schemeClr val="tx1"/>
+                </a:solidFill>
+                <a:effectLst/>
+                <a:highlight>
+                  <a:srgbClr val="FFFF00"/>
+                </a:highlight>
+                <a:latin typeface="ui-monospace"/>
+              </a:rPr>
+              <a:t>aprobás</a:t>
+            </a:r>
+            <a:r>
+              <a:rPr kumimoji="0" lang="es-AR" altLang="es-AR" sz="1600" b="0" i="0" u="none" strike="noStrike" cap="none" normalizeH="0" baseline="0" dirty="0">
+                <a:ln>
+                  <a:noFill/>
+                </a:ln>
+                <a:solidFill>
+                  <a:schemeClr val="tx1"/>
+                </a:solidFill>
+                <a:effectLst/>
+                <a:highlight>
+                  <a:srgbClr val="FFFF00"/>
+                </a:highlight>
+                <a:latin typeface="ui-monospace"/>
+              </a:rPr>
+              <a:t> el uso. </a:t>
+            </a:r>
+          </a:p>
+          <a:p>
+            <a:pPr marL="285750" marR="0" lvl="0" indent="-285750" algn="l" defTabSz="914400" rtl="0" eaLnBrk="0" fontAlgn="base" latinLnBrk="0" hangingPunct="0">
+              <a:lnSpc>
+                <a:spcPct val="100000"/>
+              </a:lnSpc>
+              <a:spcBef>
+                <a:spcPct val="0"/>
+              </a:spcBef>
+              <a:spcAft>
+                <a:spcPct val="0"/>
+              </a:spcAft>
+              <a:buClrTx/>
+              <a:buSzTx/>
+              <a:buFontTx/>
+              <a:buChar char="-"/>
+              <a:tabLst/>
+            </a:pPr>
+            <a:r>
+              <a:rPr kumimoji="0" lang="es-AR" altLang="es-AR" sz="1600" b="1" i="0" u="none" strike="noStrike" cap="none" normalizeH="0" baseline="0" dirty="0">
+                <a:ln>
+                  <a:noFill/>
+                </a:ln>
+                <a:solidFill>
+                  <a:schemeClr val="tx1"/>
+                </a:solidFill>
+                <a:effectLst/>
+                <a:latin typeface="ui-monospace"/>
+              </a:rPr>
+              <a:t>No Comercial</a:t>
+            </a:r>
+            <a:r>
+              <a:rPr kumimoji="0" lang="es-AR" altLang="es-AR" sz="1600" b="0" i="0" u="none" strike="noStrike" cap="none" normalizeH="0" baseline="0" dirty="0">
+                <a:ln>
+                  <a:noFill/>
+                </a:ln>
+                <a:solidFill>
+                  <a:schemeClr val="tx1"/>
+                </a:solidFill>
+                <a:effectLst/>
+                <a:latin typeface="ui-monospace"/>
+              </a:rPr>
+              <a:t>: No </a:t>
+            </a:r>
+            <a:r>
+              <a:rPr kumimoji="0" lang="es-AR" altLang="es-AR" sz="1600" b="0" i="0" u="none" strike="noStrike" cap="none" normalizeH="0" baseline="0" dirty="0" err="1">
+                <a:ln>
+                  <a:noFill/>
+                </a:ln>
+                <a:solidFill>
+                  <a:schemeClr val="tx1"/>
+                </a:solidFill>
+                <a:effectLst/>
+                <a:latin typeface="ui-monospace"/>
+              </a:rPr>
+              <a:t>podés</a:t>
+            </a:r>
+            <a:r>
+              <a:rPr kumimoji="0" lang="es-AR" altLang="es-AR" sz="1600" b="0" i="0" u="none" strike="noStrike" cap="none" normalizeH="0" baseline="0" dirty="0">
+                <a:ln>
+                  <a:noFill/>
+                </a:ln>
+                <a:solidFill>
+                  <a:schemeClr val="tx1"/>
+                </a:solidFill>
+                <a:effectLst/>
+                <a:latin typeface="ui-monospace"/>
+              </a:rPr>
+              <a:t> usar el material con fines comerciales. </a:t>
+            </a:r>
+          </a:p>
+          <a:p>
+            <a:pPr marL="285750" marR="0" lvl="0" indent="-285750" algn="l" defTabSz="914400" rtl="0" eaLnBrk="0" fontAlgn="base" latinLnBrk="0" hangingPunct="0">
+              <a:lnSpc>
+                <a:spcPct val="100000"/>
+              </a:lnSpc>
+              <a:spcBef>
+                <a:spcPct val="0"/>
+              </a:spcBef>
+              <a:spcAft>
+                <a:spcPct val="0"/>
+              </a:spcAft>
+              <a:buClrTx/>
+              <a:buSzTx/>
+              <a:buFontTx/>
+              <a:buChar char="-"/>
+              <a:tabLst/>
+            </a:pPr>
+            <a:r>
+              <a:rPr kumimoji="0" lang="es-AR" altLang="es-AR" sz="1600" b="1" i="0" u="none" strike="noStrike" cap="none" normalizeH="0" baseline="0" dirty="0">
+                <a:ln>
+                  <a:noFill/>
+                </a:ln>
+                <a:solidFill>
+                  <a:schemeClr val="tx1"/>
+                </a:solidFill>
+                <a:effectLst/>
+                <a:latin typeface="ui-monospace"/>
+              </a:rPr>
+              <a:t>Sin Obras Derivadas</a:t>
+            </a:r>
+            <a:r>
+              <a:rPr kumimoji="0" lang="es-AR" altLang="es-AR" sz="1600" b="0" i="0" u="none" strike="noStrike" cap="none" normalizeH="0" baseline="0" dirty="0">
+                <a:ln>
+                  <a:noFill/>
+                </a:ln>
+                <a:solidFill>
+                  <a:schemeClr val="tx1"/>
+                </a:solidFill>
+                <a:effectLst/>
+                <a:latin typeface="ui-monospace"/>
+              </a:rPr>
+              <a:t>: Si </a:t>
+            </a:r>
+            <a:r>
+              <a:rPr kumimoji="0" lang="es-AR" altLang="es-AR" sz="1600" b="0" i="0" u="none" strike="noStrike" cap="none" normalizeH="0" baseline="0" dirty="0" err="1">
+                <a:ln>
+                  <a:noFill/>
+                </a:ln>
+                <a:solidFill>
+                  <a:schemeClr val="tx1"/>
+                </a:solidFill>
+                <a:effectLst/>
+                <a:latin typeface="ui-monospace"/>
+              </a:rPr>
+              <a:t>remezclás</a:t>
+            </a:r>
+            <a:r>
+              <a:rPr kumimoji="0" lang="es-AR" altLang="es-AR" sz="1600" b="0" i="0" u="none" strike="noStrike" cap="none" normalizeH="0" baseline="0" dirty="0">
+                <a:ln>
+                  <a:noFill/>
+                </a:ln>
+                <a:solidFill>
+                  <a:schemeClr val="tx1"/>
+                </a:solidFill>
+                <a:effectLst/>
+                <a:latin typeface="ui-monospace"/>
+              </a:rPr>
+              <a:t>, </a:t>
+            </a:r>
+            <a:r>
+              <a:rPr kumimoji="0" lang="es-AR" altLang="es-AR" sz="1600" b="0" i="0" u="none" strike="noStrike" cap="none" normalizeH="0" baseline="0" dirty="0" err="1">
+                <a:ln>
+                  <a:noFill/>
+                </a:ln>
+                <a:solidFill>
+                  <a:schemeClr val="tx1"/>
+                </a:solidFill>
+                <a:effectLst/>
+                <a:latin typeface="ui-monospace"/>
+              </a:rPr>
+              <a:t>transformás</a:t>
+            </a:r>
+            <a:r>
+              <a:rPr kumimoji="0" lang="es-AR" altLang="es-AR" sz="1600" b="0" i="0" u="none" strike="noStrike" cap="none" normalizeH="0" baseline="0" dirty="0">
+                <a:ln>
+                  <a:noFill/>
+                </a:ln>
+                <a:solidFill>
+                  <a:schemeClr val="tx1"/>
+                </a:solidFill>
+                <a:effectLst/>
+                <a:latin typeface="ui-monospace"/>
+              </a:rPr>
+              <a:t> o construís a partir del material, no </a:t>
+            </a:r>
+            <a:r>
+              <a:rPr kumimoji="0" lang="es-AR" altLang="es-AR" sz="1600" b="0" i="0" u="none" strike="noStrike" cap="none" normalizeH="0" baseline="0" dirty="0" err="1">
+                <a:ln>
+                  <a:noFill/>
+                </a:ln>
+                <a:solidFill>
+                  <a:schemeClr val="tx1"/>
+                </a:solidFill>
+                <a:effectLst/>
+                <a:latin typeface="ui-monospace"/>
+              </a:rPr>
+              <a:t>podés</a:t>
+            </a:r>
+            <a:r>
+              <a:rPr kumimoji="0" lang="es-AR" altLang="es-AR" sz="1600" b="0" i="0" u="none" strike="noStrike" cap="none" normalizeH="0" baseline="0" dirty="0">
+                <a:ln>
+                  <a:noFill/>
+                </a:ln>
+                <a:solidFill>
+                  <a:schemeClr val="tx1"/>
+                </a:solidFill>
+                <a:effectLst/>
+                <a:latin typeface="ui-monospace"/>
+              </a:rPr>
+              <a:t> distribuir el material modificado. **No se aplican restricciones adicionales** </a:t>
+            </a:r>
+          </a:p>
+          <a:p>
+            <a:pPr marL="285750" marR="0" lvl="0" indent="-285750" algn="l" defTabSz="914400" rtl="0" eaLnBrk="0" fontAlgn="base" latinLnBrk="0" hangingPunct="0">
+              <a:lnSpc>
+                <a:spcPct val="100000"/>
+              </a:lnSpc>
+              <a:spcBef>
+                <a:spcPct val="0"/>
+              </a:spcBef>
+              <a:spcAft>
+                <a:spcPct val="0"/>
+              </a:spcAft>
+              <a:buClrTx/>
+              <a:buSzTx/>
+              <a:buFontTx/>
+              <a:buChar char="-"/>
+              <a:tabLst/>
+            </a:pPr>
+            <a:r>
+              <a:rPr kumimoji="0" lang="es-AR" altLang="es-AR" sz="1600" b="0" i="0" u="none" strike="noStrike" cap="none" normalizeH="0" baseline="0" dirty="0">
+                <a:ln>
+                  <a:noFill/>
+                </a:ln>
+                <a:solidFill>
+                  <a:schemeClr val="tx1"/>
+                </a:solidFill>
+                <a:effectLst/>
+                <a:latin typeface="ui-monospace"/>
+              </a:rPr>
+              <a:t>No </a:t>
+            </a:r>
+            <a:r>
+              <a:rPr kumimoji="0" lang="es-AR" altLang="es-AR" sz="1600" b="0" i="0" u="none" strike="noStrike" cap="none" normalizeH="0" baseline="0" dirty="0" err="1">
+                <a:ln>
+                  <a:noFill/>
+                </a:ln>
+                <a:solidFill>
+                  <a:schemeClr val="tx1"/>
+                </a:solidFill>
+                <a:effectLst/>
+                <a:latin typeface="ui-monospace"/>
+              </a:rPr>
+              <a:t>podés</a:t>
+            </a:r>
+            <a:r>
+              <a:rPr kumimoji="0" lang="es-AR" altLang="es-AR" sz="1600" b="0" i="0" u="none" strike="noStrike" cap="none" normalizeH="0" baseline="0" dirty="0">
+                <a:ln>
+                  <a:noFill/>
+                </a:ln>
+                <a:solidFill>
+                  <a:schemeClr val="tx1"/>
+                </a:solidFill>
+                <a:effectLst/>
+                <a:latin typeface="ui-monospace"/>
+              </a:rPr>
+              <a:t> aplicar términos legales ni medidas tecnológicas que restrinjan legalmente a otros hacer cualquier uso permitido por la licencia. Más información: </a:t>
+            </a:r>
+            <a:r>
+              <a:rPr kumimoji="0" lang="es-AR" altLang="es-AR" sz="1600" b="0" i="0" u="none" strike="noStrike" cap="none" normalizeH="0" baseline="0" dirty="0">
+                <a:ln>
+                  <a:noFill/>
+                </a:ln>
+                <a:solidFill>
+                  <a:schemeClr val="tx1"/>
+                </a:solidFill>
+                <a:effectLst/>
+                <a:latin typeface="ui-monospace"/>
+                <a:hlinkClick r:id="rId2">
+                  <a:extLst>
+                    <a:ext uri="{A12FA001-AC4F-418D-AE19-62706E023703}">
+                      <ahyp:hlinkClr xmlns:ahyp="http://schemas.microsoft.com/office/drawing/2018/hyperlinkcolor" val="tx"/>
+                    </a:ext>
+                  </a:extLst>
+                </a:hlinkClick>
+              </a:rPr>
+              <a:t>https://creativecommons.org/licenses/by-nc-nd/4.0/deed.es</a:t>
+            </a:r>
+            <a:r>
+              <a:rPr kumimoji="0" lang="es-AR" altLang="es-AR" b="0" i="0" u="none" strike="noStrike" cap="none" normalizeH="0" baseline="0" dirty="0">
+                <a:ln>
+                  <a:noFill/>
+                </a:ln>
+                <a:solidFill>
+                  <a:schemeClr val="tx1"/>
+                </a:solidFill>
+                <a:effectLst/>
+              </a:rPr>
+              <a:t> </a:t>
+            </a:r>
+            <a:endParaRPr kumimoji="0" lang="es-AR" altLang="es-AR" sz="4000" b="0" i="0" u="none" strike="noStrike" cap="none" normalizeH="0" baseline="0" dirty="0">
+              <a:ln>
+                <a:noFill/>
+              </a:ln>
+              <a:solidFill>
+                <a:schemeClr val="tx1"/>
+              </a:solidFill>
+              <a:effectLst/>
+              <a:latin typeface="Arial" panose="020B0604020202020204" pitchFamily="34" charset="0"/>
+            </a:endParaRPr>
+          </a:p>
+        </p:txBody>
+      </p:sp>
+    </p:spTree>
+    <p:extLst>
+      <p:ext uri="{BB962C8B-B14F-4D97-AF65-F5344CB8AC3E}">
+        <p14:creationId xmlns:p14="http://schemas.microsoft.com/office/powerpoint/2010/main" val="4104457762"/>
+      </p:ext>
+    </p:extLst>
   </p:cSld>
   <p:clrMapOvr>
     <a:masterClrMapping/>
